--- a/КП0502.pptx
+++ b/КП0502.pptx
@@ -243,7 +243,7 @@
             <a:pPr rtl="0"/>
             <a:fld id="{4A770C70-39F6-425A-82A8-2D194693C200}" type="datetime1">
               <a:rPr lang="ru-RU" smtClean="0"/>
-              <a:t>23.04.2024</a:t>
+              <a:t>24.04.2024</a:t>
             </a:fld>
             <a:endParaRPr lang="ru-RU" dirty="0"/>
           </a:p>
@@ -443,7 +443,7 @@
             <a:pPr rtl="0"/>
             <a:fld id="{96129B60-5FEB-47CD-8151-F9E412B19905}" type="datetime1">
               <a:rPr lang="ru-RU" noProof="0" smtClean="0"/>
-              <a:t>23.04.2024</a:t>
+              <a:t>24.04.2024</a:t>
             </a:fld>
             <a:endParaRPr lang="ru-RU" noProof="0" dirty="0"/>
           </a:p>
@@ -23177,9 +23177,10 @@
           <a:p>
             <a:pPr algn="ctr"/>
             <a:r>
-              <a:rPr lang="ru-RU" dirty="0"/>
-              <a:t>Макет</a:t>
+              <a:rPr lang="ru-RU"/>
+              <a:t>Дизайн макета</a:t>
             </a:r>
+            <a:endParaRPr lang="ru-RU" dirty="0"/>
           </a:p>
         </p:txBody>
       </p:sp>
@@ -23564,7 +23565,7 @@
         </p:nvSpPr>
         <p:spPr>
           <a:xfrm>
-            <a:off x="6099080" y="1246595"/>
+            <a:off x="6099080" y="810367"/>
             <a:ext cx="4518122" cy="1688906"/>
           </a:xfrm>
         </p:spPr>
@@ -23597,7 +23598,7 @@
         </p:nvSpPr>
         <p:spPr>
           <a:xfrm>
-            <a:off x="6096000" y="3085415"/>
+            <a:off x="6096000" y="2649187"/>
             <a:ext cx="4672693" cy="2609532"/>
           </a:xfrm>
         </p:spPr>
@@ -23661,23 +23662,21 @@
                   <a:schemeClr val="bg1"/>
                 </a:solidFill>
               </a:rPr>
-              <a:t>Разработка </a:t>
+              <a:t>Провести анализ предметной области</a:t>
             </a:r>
-            <a:r>
-              <a:rPr lang="en-US" sz="1600" dirty="0">
-                <a:solidFill>
-                  <a:schemeClr val="bg1"/>
-                </a:solidFill>
-              </a:rPr>
-              <a:t>HTML </a:t>
-            </a:r>
+          </a:p>
+          <a:p>
+            <a:pPr marL="285750" indent="-285750">
+              <a:buFont typeface="Arial" panose="020B0604020202020204" pitchFamily="34" charset="0"/>
+              <a:buChar char="•"/>
+            </a:pPr>
             <a:r>
               <a:rPr lang="ru-RU" sz="1600" dirty="0">
                 <a:solidFill>
                   <a:schemeClr val="bg1"/>
                 </a:solidFill>
               </a:rPr>
-              <a:t>структуры </a:t>
+              <a:t>Разработать информационную структуру </a:t>
             </a:r>
             <a:r>
               <a:rPr lang="en-US" sz="1600" dirty="0">
@@ -23707,7 +23706,7 @@
                   <a:schemeClr val="bg1"/>
                 </a:solidFill>
               </a:rPr>
-              <a:t>Разработка </a:t>
+              <a:t>Разработать дизайн </a:t>
             </a:r>
             <a:r>
               <a:rPr lang="en-US" sz="1600" dirty="0">
@@ -23715,7 +23714,7 @@
                   <a:schemeClr val="bg1"/>
                 </a:solidFill>
               </a:rPr>
-              <a:t>CSS</a:t>
+              <a:t>web-</a:t>
             </a:r>
             <a:r>
               <a:rPr lang="ru-RU" sz="1600" dirty="0">
@@ -23723,7 +23722,7 @@
                   <a:schemeClr val="bg1"/>
                 </a:solidFill>
               </a:rPr>
-              <a:t> стилей</a:t>
+              <a:t>приложения</a:t>
             </a:r>
           </a:p>
           <a:p>
@@ -23737,23 +23736,7 @@
                   <a:schemeClr val="bg1"/>
                 </a:solidFill>
               </a:rPr>
-              <a:t>Разработка клиентской </a:t>
-            </a:r>
-            <a:r>
-              <a:rPr lang="en-US" sz="1600" dirty="0">
-                <a:solidFill>
-                  <a:schemeClr val="bg1"/>
-                </a:solidFill>
-              </a:rPr>
-              <a:t>JS </a:t>
-            </a:r>
-            <a:r>
-              <a:rPr lang="ru-RU" sz="1600" dirty="0">
-                <a:solidFill>
-                  <a:schemeClr val="bg1"/>
-                </a:solidFill>
-              </a:rPr>
-              <a:t>логики</a:t>
+              <a:t>Реализовать клиентскую часть</a:t>
             </a:r>
           </a:p>
         </p:txBody>
@@ -24984,7 +24967,7 @@
             <a:pPr algn="ctr"/>
             <a:r>
               <a:rPr lang="ru-RU" dirty="0"/>
-              <a:t>Макет</a:t>
+              <a:t>Дизайн макета</a:t>
             </a:r>
           </a:p>
         </p:txBody>
@@ -26146,6 +26129,26 @@
 </file>
 
 <file path=customXml/item1.xml><?xml version="1.0" encoding="utf-8"?>
+<p:properties xmlns:p="http://schemas.microsoft.com/office/2006/metadata/properties" xmlns:xsi="http://www.w3.org/2001/XMLSchema-instance" xmlns:pc="http://schemas.microsoft.com/office/infopath/2007/PartnerControls">
+  <documentManagement>
+    <_ip_UnifiedCompliancePolicyUIAction xmlns="http://schemas.microsoft.com/sharepoint/v3" xsi:nil="true"/>
+    <Image xmlns="71af3243-3dd4-4a8d-8c0d-dd76da1f02a5">
+      <Url xsi:nil="true"/>
+      <Description xsi:nil="true"/>
+    </Image>
+    <Status xmlns="71af3243-3dd4-4a8d-8c0d-dd76da1f02a5">Not started</Status>
+    <Background xmlns="71af3243-3dd4-4a8d-8c0d-dd76da1f02a5">false</Background>
+    <_ip_UnifiedCompliancePolicyProperties xmlns="http://schemas.microsoft.com/sharepoint/v3" xsi:nil="true"/>
+    <ImageTagsTaxHTField xmlns="71af3243-3dd4-4a8d-8c0d-dd76da1f02a5">
+      <Terms xmlns="http://schemas.microsoft.com/office/infopath/2007/PartnerControls"/>
+    </ImageTagsTaxHTField>
+    <TaxCatchAll xmlns="230e9df3-be65-4c73-a93b-d1236ebd677e" xsi:nil="true"/>
+    <MediaServiceKeyPoints xmlns="71af3243-3dd4-4a8d-8c0d-dd76da1f02a5" xsi:nil="true"/>
+  </documentManagement>
+</p:properties>
+</file>
+
+<file path=customXml/item2.xml><?xml version="1.0" encoding="utf-8"?>
 <ct:contentTypeSchema xmlns:ct="http://schemas.microsoft.com/office/2006/metadata/contentType" xmlns:ma="http://schemas.microsoft.com/office/2006/metadata/properties/metaAttributes" ct:_="" ma:_="" ma:contentTypeName="Document" ma:contentTypeID="0x01010079F111ED35F8CC479449609E8A0923A6" ma:contentTypeVersion="28" ma:contentTypeDescription="Create a new document." ma:contentTypeScope="" ma:versionID="60f5a4f2d2b0abadcf532d48ebf9cb71">
   <xsd:schema xmlns:xsd="http://www.w3.org/2001/XMLSchema" xmlns:xs="http://www.w3.org/2001/XMLSchema" xmlns:p="http://schemas.microsoft.com/office/2006/metadata/properties" xmlns:ns1="http://schemas.microsoft.com/sharepoint/v3" xmlns:ns2="71af3243-3dd4-4a8d-8c0d-dd76da1f02a5" xmlns:ns3="16c05727-aa75-4e4a-9b5f-8a80a1165891" xmlns:ns4="230e9df3-be65-4c73-a93b-d1236ebd677e" targetNamespace="http://schemas.microsoft.com/office/2006/metadata/properties" ma:root="true" ma:fieldsID="7dd78129e6a1811f84807ad11c651531" ns1:_="" ns2:_="" ns3:_="" ns4:_="">
     <xsd:import namespace="http://schemas.microsoft.com/sharepoint/v3"/>
@@ -26457,26 +26460,6 @@
 </ct:contentTypeSchema>
 </file>
 
-<file path=customXml/item2.xml><?xml version="1.0" encoding="utf-8"?>
-<p:properties xmlns:p="http://schemas.microsoft.com/office/2006/metadata/properties" xmlns:xsi="http://www.w3.org/2001/XMLSchema-instance" xmlns:pc="http://schemas.microsoft.com/office/infopath/2007/PartnerControls">
-  <documentManagement>
-    <_ip_UnifiedCompliancePolicyUIAction xmlns="http://schemas.microsoft.com/sharepoint/v3" xsi:nil="true"/>
-    <Image xmlns="71af3243-3dd4-4a8d-8c0d-dd76da1f02a5">
-      <Url xsi:nil="true"/>
-      <Description xsi:nil="true"/>
-    </Image>
-    <Status xmlns="71af3243-3dd4-4a8d-8c0d-dd76da1f02a5">Not started</Status>
-    <Background xmlns="71af3243-3dd4-4a8d-8c0d-dd76da1f02a5">false</Background>
-    <_ip_UnifiedCompliancePolicyProperties xmlns="http://schemas.microsoft.com/sharepoint/v3" xsi:nil="true"/>
-    <ImageTagsTaxHTField xmlns="71af3243-3dd4-4a8d-8c0d-dd76da1f02a5">
-      <Terms xmlns="http://schemas.microsoft.com/office/infopath/2007/PartnerControls"/>
-    </ImageTagsTaxHTField>
-    <TaxCatchAll xmlns="230e9df3-be65-4c73-a93b-d1236ebd677e" xsi:nil="true"/>
-    <MediaServiceKeyPoints xmlns="71af3243-3dd4-4a8d-8c0d-dd76da1f02a5" xsi:nil="true"/>
-  </documentManagement>
-</p:properties>
-</file>
-
 <file path=customXml/item3.xml><?xml version="1.0" encoding="utf-8"?>
 <?mso-contentType ?>
 <FormTemplates xmlns="http://schemas.microsoft.com/sharepoint/v3/contenttype/forms">
@@ -26487,6 +26470,18 @@
 </file>
 
 <file path=customXml/itemProps1.xml><?xml version="1.0" encoding="utf-8"?>
+<ds:datastoreItem xmlns:ds="http://schemas.openxmlformats.org/officeDocument/2006/customXml" ds:itemID="{F4D5854E-F453-4846-A87D-6EF3DCF73E3E}">
+  <ds:schemaRefs>
+    <ds:schemaRef ds:uri="http://schemas.microsoft.com/office/2006/metadata/properties"/>
+    <ds:schemaRef ds:uri="http://schemas.microsoft.com/office/infopath/2007/PartnerControls"/>
+    <ds:schemaRef ds:uri="http://schemas.microsoft.com/sharepoint/v3"/>
+    <ds:schemaRef ds:uri="71af3243-3dd4-4a8d-8c0d-dd76da1f02a5"/>
+    <ds:schemaRef ds:uri="230e9df3-be65-4c73-a93b-d1236ebd677e"/>
+  </ds:schemaRefs>
+</ds:datastoreItem>
+</file>
+
+<file path=customXml/itemProps2.xml><?xml version="1.0" encoding="utf-8"?>
 <ds:datastoreItem xmlns:ds="http://schemas.openxmlformats.org/officeDocument/2006/customXml" ds:itemID="{337AE0CD-4570-4F66-89CD-DDD19F091E8D}">
   <ds:schemaRefs>
     <ds:schemaRef ds:uri="http://schemas.microsoft.com/office/2006/metadata/contentType"/>
@@ -26507,18 +26502,6 @@
 </ds:datastoreItem>
 </file>
 
-<file path=customXml/itemProps2.xml><?xml version="1.0" encoding="utf-8"?>
-<ds:datastoreItem xmlns:ds="http://schemas.openxmlformats.org/officeDocument/2006/customXml" ds:itemID="{F4D5854E-F453-4846-A87D-6EF3DCF73E3E}">
-  <ds:schemaRefs>
-    <ds:schemaRef ds:uri="http://schemas.microsoft.com/office/2006/metadata/properties"/>
-    <ds:schemaRef ds:uri="http://schemas.microsoft.com/office/infopath/2007/PartnerControls"/>
-    <ds:schemaRef ds:uri="http://schemas.microsoft.com/sharepoint/v3"/>
-    <ds:schemaRef ds:uri="71af3243-3dd4-4a8d-8c0d-dd76da1f02a5"/>
-    <ds:schemaRef ds:uri="230e9df3-be65-4c73-a93b-d1236ebd677e"/>
-  </ds:schemaRefs>
-</ds:datastoreItem>
-</file>
-
 <file path=customXml/itemProps3.xml><?xml version="1.0" encoding="utf-8"?>
 <ds:datastoreItem xmlns:ds="http://schemas.openxmlformats.org/officeDocument/2006/customXml" ds:itemID="{F8C25491-3B09-4F3E-8C86-936D290E4013}">
   <ds:schemaRefs>

--- a/КП0502.pptx
+++ b/КП0502.pptx
@@ -5,10 +5,10 @@
     <p:sldMasterId id="2147483648" r:id="rId4"/>
   </p:sldMasterIdLst>
   <p:notesMasterIdLst>
-    <p:notesMasterId r:id="rId15"/>
+    <p:notesMasterId r:id="rId18"/>
   </p:notesMasterIdLst>
   <p:handoutMasterIdLst>
-    <p:handoutMasterId r:id="rId16"/>
+    <p:handoutMasterId r:id="rId19"/>
   </p:handoutMasterIdLst>
   <p:sldIdLst>
     <p:sldId id="292" r:id="rId5"/>
@@ -21,6 +21,9 @@
     <p:sldId id="303" r:id="rId12"/>
     <p:sldId id="304" r:id="rId13"/>
     <p:sldId id="305" r:id="rId14"/>
+    <p:sldId id="306" r:id="rId15"/>
+    <p:sldId id="307" r:id="rId16"/>
+    <p:sldId id="308" r:id="rId17"/>
   </p:sldIdLst>
   <p:sldSz cx="12192000" cy="6858000"/>
   <p:notesSz cx="6858000" cy="9144000"/>
@@ -23425,6 +23428,834 @@
     <p:extLst>
       <p:ext uri="{BB962C8B-B14F-4D97-AF65-F5344CB8AC3E}">
         <p14:creationId xmlns:p14="http://schemas.microsoft.com/office/powerpoint/2010/main" val="712970817"/>
+      </p:ext>
+    </p:extLst>
+  </p:cSld>
+  <p:clrMapOvr>
+    <a:masterClrMapping/>
+  </p:clrMapOvr>
+</p:sld>
+</file>
+
+<file path=ppt/slides/slide11.xml><?xml version="1.0" encoding="utf-8"?>
+<p:sld xmlns:a="http://schemas.openxmlformats.org/drawingml/2006/main" xmlns:r="http://schemas.openxmlformats.org/officeDocument/2006/relationships" xmlns:p="http://schemas.openxmlformats.org/presentationml/2006/main">
+  <p:cSld>
+    <p:spTree>
+      <p:nvGrpSpPr>
+        <p:cNvPr id="1" name=""/>
+        <p:cNvGrpSpPr/>
+        <p:nvPr/>
+      </p:nvGrpSpPr>
+      <p:grpSpPr>
+        <a:xfrm>
+          <a:off x="0" y="0"/>
+          <a:ext cx="0" cy="0"/>
+          <a:chOff x="0" y="0"/>
+          <a:chExt cx="0" cy="0"/>
+        </a:xfrm>
+      </p:grpSpPr>
+      <p:sp>
+        <p:nvSpPr>
+          <p:cNvPr id="2" name="Заголовок 1">
+            <a:extLst>
+              <a:ext uri="{FF2B5EF4-FFF2-40B4-BE49-F238E27FC236}">
+                <a16:creationId xmlns:a16="http://schemas.microsoft.com/office/drawing/2014/main" id="{944A06CE-2DE3-4309-BE89-D3B25CC0B3B8}"/>
+              </a:ext>
+            </a:extLst>
+          </p:cNvPr>
+          <p:cNvSpPr>
+            <a:spLocks noGrp="1"/>
+          </p:cNvSpPr>
+          <p:nvPr>
+            <p:ph type="title"/>
+          </p:nvPr>
+        </p:nvSpPr>
+        <p:spPr/>
+        <p:txBody>
+          <a:bodyPr/>
+          <a:lstStyle/>
+          <a:p>
+            <a:r>
+              <a:rPr lang="ru-RU" dirty="0"/>
+              <a:t>Инструменты</a:t>
+            </a:r>
+          </a:p>
+        </p:txBody>
+      </p:sp>
+      <p:pic>
+        <p:nvPicPr>
+          <p:cNvPr id="1026" name="Picture 2">
+            <a:extLst>
+              <a:ext uri="{FF2B5EF4-FFF2-40B4-BE49-F238E27FC236}">
+                <a16:creationId xmlns:a16="http://schemas.microsoft.com/office/drawing/2014/main" id="{38AE6FA5-8381-415D-9234-673603B1B005}"/>
+              </a:ext>
+            </a:extLst>
+          </p:cNvPr>
+          <p:cNvPicPr>
+            <a:picLocks noChangeAspect="1" noChangeArrowheads="1"/>
+          </p:cNvPicPr>
+          <p:nvPr/>
+        </p:nvPicPr>
+        <p:blipFill>
+          <a:blip r:embed="rId2">
+            <a:extLst>
+              <a:ext uri="{28A0092B-C50C-407E-A947-70E740481C1C}">
+                <a14:useLocalDpi xmlns:a14="http://schemas.microsoft.com/office/drawing/2010/main" val="0"/>
+              </a:ext>
+            </a:extLst>
+          </a:blip>
+          <a:srcRect/>
+          <a:stretch>
+            <a:fillRect/>
+          </a:stretch>
+        </p:blipFill>
+        <p:spPr bwMode="auto">
+          <a:xfrm>
+            <a:off x="7539470" y="1622510"/>
+            <a:ext cx="1916029" cy="1916029"/>
+          </a:xfrm>
+          <a:prstGeom prst="rect">
+            <a:avLst/>
+          </a:prstGeom>
+          <a:noFill/>
+          <a:extLst>
+            <a:ext uri="{909E8E84-426E-40DD-AFC4-6F175D3DCCD1}">
+              <a14:hiddenFill xmlns:a14="http://schemas.microsoft.com/office/drawing/2010/main">
+                <a:solidFill>
+                  <a:srgbClr val="FFFFFF"/>
+                </a:solidFill>
+              </a14:hiddenFill>
+            </a:ext>
+          </a:extLst>
+        </p:spPr>
+      </p:pic>
+      <p:pic>
+        <p:nvPicPr>
+          <p:cNvPr id="1030" name="Picture 6">
+            <a:extLst>
+              <a:ext uri="{FF2B5EF4-FFF2-40B4-BE49-F238E27FC236}">
+                <a16:creationId xmlns:a16="http://schemas.microsoft.com/office/drawing/2014/main" id="{86B39B31-9E96-49DE-87D4-5DD5BB6DC108}"/>
+              </a:ext>
+            </a:extLst>
+          </p:cNvPr>
+          <p:cNvPicPr>
+            <a:picLocks noChangeAspect="1" noChangeArrowheads="1"/>
+          </p:cNvPicPr>
+          <p:nvPr/>
+        </p:nvPicPr>
+        <p:blipFill>
+          <a:blip r:embed="rId3">
+            <a:extLst>
+              <a:ext uri="{28A0092B-C50C-407E-A947-70E740481C1C}">
+                <a14:useLocalDpi xmlns:a14="http://schemas.microsoft.com/office/drawing/2010/main" val="0"/>
+              </a:ext>
+            </a:extLst>
+          </a:blip>
+          <a:srcRect/>
+          <a:stretch>
+            <a:fillRect/>
+          </a:stretch>
+        </p:blipFill>
+        <p:spPr bwMode="auto">
+          <a:xfrm>
+            <a:off x="2990451" y="1622510"/>
+            <a:ext cx="1494681" cy="1916030"/>
+          </a:xfrm>
+          <a:prstGeom prst="rect">
+            <a:avLst/>
+          </a:prstGeom>
+          <a:noFill/>
+          <a:extLst>
+            <a:ext uri="{909E8E84-426E-40DD-AFC4-6F175D3DCCD1}">
+              <a14:hiddenFill xmlns:a14="http://schemas.microsoft.com/office/drawing/2010/main">
+                <a:solidFill>
+                  <a:srgbClr val="FFFFFF"/>
+                </a:solidFill>
+              </a14:hiddenFill>
+            </a:ext>
+          </a:extLst>
+        </p:spPr>
+      </p:pic>
+      <p:pic>
+        <p:nvPicPr>
+          <p:cNvPr id="1032" name="Picture 8">
+            <a:extLst>
+              <a:ext uri="{FF2B5EF4-FFF2-40B4-BE49-F238E27FC236}">
+                <a16:creationId xmlns:a16="http://schemas.microsoft.com/office/drawing/2014/main" id="{5FBFB232-C50F-4DA0-9B5C-D3BD653DF784}"/>
+              </a:ext>
+            </a:extLst>
+          </p:cNvPr>
+          <p:cNvPicPr>
+            <a:picLocks noChangeAspect="1" noChangeArrowheads="1"/>
+          </p:cNvPicPr>
+          <p:nvPr/>
+        </p:nvPicPr>
+        <p:blipFill>
+          <a:blip r:embed="rId4">
+            <a:extLst>
+              <a:ext uri="{BEBA8EAE-BF5A-486C-A8C5-ECC9F3942E4B}">
+                <a14:imgProps xmlns:a14="http://schemas.microsoft.com/office/drawing/2010/main">
+                  <a14:imgLayer r:embed="rId5">
+                    <a14:imgEffect>
+                      <a14:backgroundRemoval t="10000" b="90000" l="10000" r="90000"/>
+                    </a14:imgEffect>
+                  </a14:imgLayer>
+                </a14:imgProps>
+              </a:ext>
+              <a:ext uri="{28A0092B-C50C-407E-A947-70E740481C1C}">
+                <a14:useLocalDpi xmlns:a14="http://schemas.microsoft.com/office/drawing/2010/main" val="0"/>
+              </a:ext>
+            </a:extLst>
+          </a:blip>
+          <a:srcRect/>
+          <a:stretch>
+            <a:fillRect/>
+          </a:stretch>
+        </p:blipFill>
+        <p:spPr bwMode="auto">
+          <a:xfrm>
+            <a:off x="7539469" y="4631872"/>
+            <a:ext cx="1916031" cy="1916031"/>
+          </a:xfrm>
+          <a:prstGeom prst="rect">
+            <a:avLst/>
+          </a:prstGeom>
+          <a:noFill/>
+          <a:extLst>
+            <a:ext uri="{909E8E84-426E-40DD-AFC4-6F175D3DCCD1}">
+              <a14:hiddenFill xmlns:a14="http://schemas.microsoft.com/office/drawing/2010/main">
+                <a:solidFill>
+                  <a:srgbClr val="FFFFFF"/>
+                </a:solidFill>
+              </a14:hiddenFill>
+            </a:ext>
+          </a:extLst>
+        </p:spPr>
+      </p:pic>
+      <p:pic>
+        <p:nvPicPr>
+          <p:cNvPr id="1034" name="Picture 10">
+            <a:extLst>
+              <a:ext uri="{FF2B5EF4-FFF2-40B4-BE49-F238E27FC236}">
+                <a16:creationId xmlns:a16="http://schemas.microsoft.com/office/drawing/2014/main" id="{F927AA78-84D8-48E3-B7A0-20DE39764FA3}"/>
+              </a:ext>
+            </a:extLst>
+          </p:cNvPr>
+          <p:cNvPicPr>
+            <a:picLocks noChangeAspect="1" noChangeArrowheads="1"/>
+          </p:cNvPicPr>
+          <p:nvPr/>
+        </p:nvPicPr>
+        <p:blipFill>
+          <a:blip r:embed="rId6">
+            <a:extLst>
+              <a:ext uri="{BEBA8EAE-BF5A-486C-A8C5-ECC9F3942E4B}">
+                <a14:imgProps xmlns:a14="http://schemas.microsoft.com/office/drawing/2010/main">
+                  <a14:imgLayer r:embed="rId7">
+                    <a14:imgEffect>
+                      <a14:backgroundRemoval t="10000" b="90000" l="10000" r="90000"/>
+                    </a14:imgEffect>
+                  </a14:imgLayer>
+                </a14:imgProps>
+              </a:ext>
+              <a:ext uri="{28A0092B-C50C-407E-A947-70E740481C1C}">
+                <a14:useLocalDpi xmlns:a14="http://schemas.microsoft.com/office/drawing/2010/main" val="0"/>
+              </a:ext>
+            </a:extLst>
+          </a:blip>
+          <a:srcRect/>
+          <a:stretch>
+            <a:fillRect/>
+          </a:stretch>
+        </p:blipFill>
+        <p:spPr bwMode="auto">
+          <a:xfrm>
+            <a:off x="5148706" y="3223716"/>
+            <a:ext cx="1916029" cy="1916029"/>
+          </a:xfrm>
+          <a:prstGeom prst="rect">
+            <a:avLst/>
+          </a:prstGeom>
+          <a:noFill/>
+          <a:extLst>
+            <a:ext uri="{909E8E84-426E-40DD-AFC4-6F175D3DCCD1}">
+              <a14:hiddenFill xmlns:a14="http://schemas.microsoft.com/office/drawing/2010/main">
+                <a:solidFill>
+                  <a:srgbClr val="FFFFFF"/>
+                </a:solidFill>
+              </a14:hiddenFill>
+            </a:ext>
+          </a:extLst>
+        </p:spPr>
+      </p:pic>
+      <p:pic>
+        <p:nvPicPr>
+          <p:cNvPr id="1036" name="Picture 12">
+            <a:extLst>
+              <a:ext uri="{FF2B5EF4-FFF2-40B4-BE49-F238E27FC236}">
+                <a16:creationId xmlns:a16="http://schemas.microsoft.com/office/drawing/2014/main" id="{20C69C53-9FE3-4A83-BB43-895AFF752729}"/>
+              </a:ext>
+            </a:extLst>
+          </p:cNvPr>
+          <p:cNvPicPr>
+            <a:picLocks noChangeAspect="1" noChangeArrowheads="1"/>
+          </p:cNvPicPr>
+          <p:nvPr/>
+        </p:nvPicPr>
+        <p:blipFill>
+          <a:blip r:embed="rId8">
+            <a:extLst>
+              <a:ext uri="{28A0092B-C50C-407E-A947-70E740481C1C}">
+                <a14:useLocalDpi xmlns:a14="http://schemas.microsoft.com/office/drawing/2010/main" val="0"/>
+              </a:ext>
+            </a:extLst>
+          </a:blip>
+          <a:srcRect/>
+          <a:stretch>
+            <a:fillRect/>
+          </a:stretch>
+        </p:blipFill>
+        <p:spPr bwMode="auto">
+          <a:xfrm>
+            <a:off x="9930234" y="2839457"/>
+            <a:ext cx="2061061" cy="1916029"/>
+          </a:xfrm>
+          <a:prstGeom prst="rect">
+            <a:avLst/>
+          </a:prstGeom>
+          <a:noFill/>
+          <a:extLst>
+            <a:ext uri="{909E8E84-426E-40DD-AFC4-6F175D3DCCD1}">
+              <a14:hiddenFill xmlns:a14="http://schemas.microsoft.com/office/drawing/2010/main">
+                <a:solidFill>
+                  <a:srgbClr val="FFFFFF"/>
+                </a:solidFill>
+              </a14:hiddenFill>
+            </a:ext>
+          </a:extLst>
+        </p:spPr>
+      </p:pic>
+      <p:pic>
+        <p:nvPicPr>
+          <p:cNvPr id="1038" name="Picture 14">
+            <a:extLst>
+              <a:ext uri="{FF2B5EF4-FFF2-40B4-BE49-F238E27FC236}">
+                <a16:creationId xmlns:a16="http://schemas.microsoft.com/office/drawing/2014/main" id="{0E86A0AA-7CAF-49CA-BE9D-4EF3DD687994}"/>
+              </a:ext>
+            </a:extLst>
+          </p:cNvPr>
+          <p:cNvPicPr>
+            <a:picLocks noChangeAspect="1" noChangeArrowheads="1"/>
+          </p:cNvPicPr>
+          <p:nvPr/>
+        </p:nvPicPr>
+        <p:blipFill>
+          <a:blip r:embed="rId9">
+            <a:extLst>
+              <a:ext uri="{BEBA8EAE-BF5A-486C-A8C5-ECC9F3942E4B}">
+                <a14:imgProps xmlns:a14="http://schemas.microsoft.com/office/drawing/2010/main">
+                  <a14:imgLayer r:embed="rId10">
+                    <a14:imgEffect>
+                      <a14:backgroundRemoval t="10000" b="90000" l="10000" r="90000">
+                        <a14:foregroundMark x1="42982" y1="53509" x2="40351" y2="36404"/>
+                        <a14:foregroundMark x1="40351" y1="37719" x2="40351" y2="53509"/>
+                        <a14:foregroundMark x1="41228" y1="53509" x2="41228" y2="62281"/>
+                        <a14:foregroundMark x1="41228" y1="63596" x2="49123" y2="64035"/>
+                        <a14:foregroundMark x1="48684" y1="64474" x2="52632" y2="63158"/>
+                        <a14:foregroundMark x1="53947" y1="63158" x2="61404" y2="57018"/>
+                        <a14:foregroundMark x1="60965" y1="57018" x2="59649" y2="56579"/>
+                      </a14:backgroundRemoval>
+                    </a14:imgEffect>
+                  </a14:imgLayer>
+                </a14:imgProps>
+              </a:ext>
+              <a:ext uri="{28A0092B-C50C-407E-A947-70E740481C1C}">
+                <a14:useLocalDpi xmlns:a14="http://schemas.microsoft.com/office/drawing/2010/main" val="0"/>
+              </a:ext>
+            </a:extLst>
+          </a:blip>
+          <a:srcRect/>
+          <a:stretch>
+            <a:fillRect/>
+          </a:stretch>
+        </p:blipFill>
+        <p:spPr bwMode="auto">
+          <a:xfrm>
+            <a:off x="2779777" y="4667502"/>
+            <a:ext cx="1916029" cy="1916029"/>
+          </a:xfrm>
+          <a:prstGeom prst="rect">
+            <a:avLst/>
+          </a:prstGeom>
+          <a:noFill/>
+          <a:extLst>
+            <a:ext uri="{909E8E84-426E-40DD-AFC4-6F175D3DCCD1}">
+              <a14:hiddenFill xmlns:a14="http://schemas.microsoft.com/office/drawing/2010/main">
+                <a:solidFill>
+                  <a:srgbClr val="FFFFFF"/>
+                </a:solidFill>
+              </a14:hiddenFill>
+            </a:ext>
+          </a:extLst>
+        </p:spPr>
+      </p:pic>
+      <p:pic>
+        <p:nvPicPr>
+          <p:cNvPr id="1040" name="Picture 16" descr="Логотип программы Vue.js">
+            <a:extLst>
+              <a:ext uri="{FF2B5EF4-FFF2-40B4-BE49-F238E27FC236}">
+                <a16:creationId xmlns:a16="http://schemas.microsoft.com/office/drawing/2014/main" id="{6774C430-5A05-4DBA-B8D6-1D4D241038AD}"/>
+              </a:ext>
+            </a:extLst>
+          </p:cNvPr>
+          <p:cNvPicPr>
+            <a:picLocks noChangeAspect="1" noChangeArrowheads="1"/>
+          </p:cNvPicPr>
+          <p:nvPr/>
+        </p:nvPicPr>
+        <p:blipFill>
+          <a:blip r:embed="rId11">
+            <a:extLst>
+              <a:ext uri="{28A0092B-C50C-407E-A947-70E740481C1C}">
+                <a14:useLocalDpi xmlns:a14="http://schemas.microsoft.com/office/drawing/2010/main" val="0"/>
+              </a:ext>
+            </a:extLst>
+          </a:blip>
+          <a:srcRect/>
+          <a:stretch>
+            <a:fillRect/>
+          </a:stretch>
+        </p:blipFill>
+        <p:spPr bwMode="auto">
+          <a:xfrm>
+            <a:off x="200705" y="3347329"/>
+            <a:ext cx="1916031" cy="1668802"/>
+          </a:xfrm>
+          <a:prstGeom prst="rect">
+            <a:avLst/>
+          </a:prstGeom>
+          <a:noFill/>
+          <a:extLst>
+            <a:ext uri="{909E8E84-426E-40DD-AFC4-6F175D3DCCD1}">
+              <a14:hiddenFill xmlns:a14="http://schemas.microsoft.com/office/drawing/2010/main">
+                <a:solidFill>
+                  <a:srgbClr val="FFFFFF"/>
+                </a:solidFill>
+              </a14:hiddenFill>
+            </a:ext>
+          </a:extLst>
+        </p:spPr>
+      </p:pic>
+    </p:spTree>
+    <p:extLst>
+      <p:ext uri="{BB962C8B-B14F-4D97-AF65-F5344CB8AC3E}">
+        <p14:creationId xmlns:p14="http://schemas.microsoft.com/office/powerpoint/2010/main" val="3212429594"/>
+      </p:ext>
+    </p:extLst>
+  </p:cSld>
+  <p:clrMapOvr>
+    <a:masterClrMapping/>
+  </p:clrMapOvr>
+</p:sld>
+</file>
+
+<file path=ppt/slides/slide12.xml><?xml version="1.0" encoding="utf-8"?>
+<p:sld xmlns:a="http://schemas.openxmlformats.org/drawingml/2006/main" xmlns:r="http://schemas.openxmlformats.org/officeDocument/2006/relationships" xmlns:p="http://schemas.openxmlformats.org/presentationml/2006/main">
+  <p:cSld>
+    <p:spTree>
+      <p:nvGrpSpPr>
+        <p:cNvPr id="1" name=""/>
+        <p:cNvGrpSpPr/>
+        <p:nvPr/>
+      </p:nvGrpSpPr>
+      <p:grpSpPr>
+        <a:xfrm>
+          <a:off x="0" y="0"/>
+          <a:ext cx="0" cy="0"/>
+          <a:chOff x="0" y="0"/>
+          <a:chExt cx="0" cy="0"/>
+        </a:xfrm>
+      </p:grpSpPr>
+      <p:sp>
+        <p:nvSpPr>
+          <p:cNvPr id="2" name="Заголовок 1">
+            <a:extLst>
+              <a:ext uri="{FF2B5EF4-FFF2-40B4-BE49-F238E27FC236}">
+                <a16:creationId xmlns:a16="http://schemas.microsoft.com/office/drawing/2014/main" id="{1E23870C-4499-46ED-BBB9-102E9ABDCCF0}"/>
+              </a:ext>
+            </a:extLst>
+          </p:cNvPr>
+          <p:cNvSpPr>
+            <a:spLocks noGrp="1"/>
+          </p:cNvSpPr>
+          <p:nvPr>
+            <p:ph type="title"/>
+          </p:nvPr>
+        </p:nvSpPr>
+        <p:spPr/>
+        <p:txBody>
+          <a:bodyPr/>
+          <a:lstStyle/>
+          <a:p>
+            <a:r>
+              <a:rPr lang="ru-RU" dirty="0"/>
+              <a:t>Функционал</a:t>
+            </a:r>
+          </a:p>
+        </p:txBody>
+      </p:sp>
+      <p:pic>
+        <p:nvPicPr>
+          <p:cNvPr id="6" name="Рисунок 5">
+            <a:extLst>
+              <a:ext uri="{FF2B5EF4-FFF2-40B4-BE49-F238E27FC236}">
+                <a16:creationId xmlns:a16="http://schemas.microsoft.com/office/drawing/2014/main" id="{C6A1403F-BEAF-4308-9F0C-2BF095006C9B}"/>
+              </a:ext>
+            </a:extLst>
+          </p:cNvPr>
+          <p:cNvPicPr>
+            <a:picLocks noChangeAspect="1"/>
+          </p:cNvPicPr>
+          <p:nvPr/>
+        </p:nvPicPr>
+        <p:blipFill>
+          <a:blip r:embed="rId2"/>
+          <a:stretch>
+            <a:fillRect/>
+          </a:stretch>
+        </p:blipFill>
+        <p:spPr>
+          <a:xfrm>
+            <a:off x="484632" y="1796979"/>
+            <a:ext cx="7812505" cy="572701"/>
+          </a:xfrm>
+          <a:prstGeom prst="rect">
+            <a:avLst/>
+          </a:prstGeom>
+          <a:solidFill>
+            <a:srgbClr val="FFFFFF">
+              <a:shade val="85000"/>
+            </a:srgbClr>
+          </a:solidFill>
+          <a:ln w="88900" cap="sq">
+            <a:solidFill>
+              <a:schemeClr val="tx1"/>
+            </a:solidFill>
+            <a:miter lim="800000"/>
+          </a:ln>
+          <a:effectLst>
+            <a:outerShdw blurRad="55000" dist="18000" dir="5400000" algn="tl" rotWithShape="0">
+              <a:srgbClr val="000000">
+                <a:alpha val="40000"/>
+              </a:srgbClr>
+            </a:outerShdw>
+          </a:effectLst>
+          <a:scene3d>
+            <a:camera prst="orthographicFront"/>
+            <a:lightRig rig="twoPt" dir="t">
+              <a:rot lat="0" lon="0" rev="7200000"/>
+            </a:lightRig>
+          </a:scene3d>
+          <a:sp3d>
+            <a:bevelT w="25400" h="19050"/>
+            <a:contourClr>
+              <a:srgbClr val="FFFFFF"/>
+            </a:contourClr>
+          </a:sp3d>
+        </p:spPr>
+      </p:pic>
+      <p:pic>
+        <p:nvPicPr>
+          <p:cNvPr id="8" name="Рисунок 7">
+            <a:extLst>
+              <a:ext uri="{FF2B5EF4-FFF2-40B4-BE49-F238E27FC236}">
+                <a16:creationId xmlns:a16="http://schemas.microsoft.com/office/drawing/2014/main" id="{5DF5A6D9-0B26-4D13-9EC1-B19DB756F2A5}"/>
+              </a:ext>
+            </a:extLst>
+          </p:cNvPr>
+          <p:cNvPicPr>
+            <a:picLocks noChangeAspect="1"/>
+          </p:cNvPicPr>
+          <p:nvPr/>
+        </p:nvPicPr>
+        <p:blipFill>
+          <a:blip r:embed="rId3"/>
+          <a:stretch>
+            <a:fillRect/>
+          </a:stretch>
+        </p:blipFill>
+        <p:spPr>
+          <a:xfrm>
+            <a:off x="6404112" y="2731545"/>
+            <a:ext cx="5184739" cy="3619379"/>
+          </a:xfrm>
+          <a:prstGeom prst="rect">
+            <a:avLst/>
+          </a:prstGeom>
+          <a:solidFill>
+            <a:srgbClr val="FFFFFF">
+              <a:shade val="85000"/>
+            </a:srgbClr>
+          </a:solidFill>
+          <a:ln w="88900" cap="sq">
+            <a:solidFill>
+              <a:schemeClr val="tx1"/>
+            </a:solidFill>
+            <a:miter lim="800000"/>
+          </a:ln>
+          <a:effectLst>
+            <a:outerShdw blurRad="55000" dist="18000" dir="5400000" algn="tl" rotWithShape="0">
+              <a:srgbClr val="000000">
+                <a:alpha val="40000"/>
+              </a:srgbClr>
+            </a:outerShdw>
+          </a:effectLst>
+          <a:scene3d>
+            <a:camera prst="orthographicFront"/>
+            <a:lightRig rig="twoPt" dir="t">
+              <a:rot lat="0" lon="0" rev="7200000"/>
+            </a:lightRig>
+          </a:scene3d>
+          <a:sp3d>
+            <a:bevelT w="25400" h="19050"/>
+            <a:contourClr>
+              <a:srgbClr val="FFFFFF"/>
+            </a:contourClr>
+          </a:sp3d>
+        </p:spPr>
+      </p:pic>
+      <p:pic>
+        <p:nvPicPr>
+          <p:cNvPr id="10" name="Рисунок 9">
+            <a:extLst>
+              <a:ext uri="{FF2B5EF4-FFF2-40B4-BE49-F238E27FC236}">
+                <a16:creationId xmlns:a16="http://schemas.microsoft.com/office/drawing/2014/main" id="{2A4A3218-7CF8-40A8-9DFE-997EBC273D9D}"/>
+              </a:ext>
+            </a:extLst>
+          </p:cNvPr>
+          <p:cNvPicPr>
+            <a:picLocks noChangeAspect="1"/>
+          </p:cNvPicPr>
+          <p:nvPr/>
+        </p:nvPicPr>
+        <p:blipFill>
+          <a:blip r:embed="rId4"/>
+          <a:stretch>
+            <a:fillRect/>
+          </a:stretch>
+        </p:blipFill>
+        <p:spPr>
+          <a:xfrm>
+            <a:off x="429998" y="3185377"/>
+            <a:ext cx="3978953" cy="3165547"/>
+          </a:xfrm>
+          <a:prstGeom prst="rect">
+            <a:avLst/>
+          </a:prstGeom>
+          <a:solidFill>
+            <a:srgbClr val="FFFFFF">
+              <a:shade val="85000"/>
+            </a:srgbClr>
+          </a:solidFill>
+          <a:ln w="88900" cap="sq">
+            <a:solidFill>
+              <a:schemeClr val="tx1"/>
+            </a:solidFill>
+            <a:miter lim="800000"/>
+          </a:ln>
+          <a:effectLst>
+            <a:outerShdw blurRad="55000" dist="18000" dir="5400000" algn="tl" rotWithShape="0">
+              <a:srgbClr val="000000">
+                <a:alpha val="40000"/>
+              </a:srgbClr>
+            </a:outerShdw>
+          </a:effectLst>
+          <a:scene3d>
+            <a:camera prst="orthographicFront"/>
+            <a:lightRig rig="twoPt" dir="t">
+              <a:rot lat="0" lon="0" rev="7200000"/>
+            </a:lightRig>
+          </a:scene3d>
+          <a:sp3d>
+            <a:bevelT w="25400" h="19050"/>
+            <a:contourClr>
+              <a:srgbClr val="FFFFFF"/>
+            </a:contourClr>
+          </a:sp3d>
+        </p:spPr>
+      </p:pic>
+    </p:spTree>
+    <p:extLst>
+      <p:ext uri="{BB962C8B-B14F-4D97-AF65-F5344CB8AC3E}">
+        <p14:creationId xmlns:p14="http://schemas.microsoft.com/office/powerpoint/2010/main" val="4017629401"/>
+      </p:ext>
+    </p:extLst>
+  </p:cSld>
+  <p:clrMapOvr>
+    <a:masterClrMapping/>
+  </p:clrMapOvr>
+</p:sld>
+</file>
+
+<file path=ppt/slides/slide13.xml><?xml version="1.0" encoding="utf-8"?>
+<p:sld xmlns:a="http://schemas.openxmlformats.org/drawingml/2006/main" xmlns:r="http://schemas.openxmlformats.org/officeDocument/2006/relationships" xmlns:p="http://schemas.openxmlformats.org/presentationml/2006/main">
+  <p:cSld>
+    <p:spTree>
+      <p:nvGrpSpPr>
+        <p:cNvPr id="1" name=""/>
+        <p:cNvGrpSpPr/>
+        <p:nvPr/>
+      </p:nvGrpSpPr>
+      <p:grpSpPr>
+        <a:xfrm>
+          <a:off x="0" y="0"/>
+          <a:ext cx="0" cy="0"/>
+          <a:chOff x="0" y="0"/>
+          <a:chExt cx="0" cy="0"/>
+        </a:xfrm>
+      </p:grpSpPr>
+      <p:sp>
+        <p:nvSpPr>
+          <p:cNvPr id="6" name="Рисунок 5">
+            <a:extLst>
+              <a:ext uri="{FF2B5EF4-FFF2-40B4-BE49-F238E27FC236}">
+                <a16:creationId xmlns:a16="http://schemas.microsoft.com/office/drawing/2014/main" id="{593E721F-CA6B-4353-8963-830E9BCA2B44}"/>
+              </a:ext>
+            </a:extLst>
+          </p:cNvPr>
+          <p:cNvSpPr>
+            <a:spLocks noGrp="1"/>
+          </p:cNvSpPr>
+          <p:nvPr>
+            <p:ph type="pic" sz="quarter" idx="48"/>
+          </p:nvPr>
+        </p:nvSpPr>
+        <p:spPr/>
+      </p:sp>
+      <p:sp>
+        <p:nvSpPr>
+          <p:cNvPr id="7" name="Рисунок 6">
+            <a:extLst>
+              <a:ext uri="{FF2B5EF4-FFF2-40B4-BE49-F238E27FC236}">
+                <a16:creationId xmlns:a16="http://schemas.microsoft.com/office/drawing/2014/main" id="{81CFD84F-FD03-4124-9F55-B9058DB56999}"/>
+              </a:ext>
+            </a:extLst>
+          </p:cNvPr>
+          <p:cNvSpPr>
+            <a:spLocks noGrp="1"/>
+          </p:cNvSpPr>
+          <p:nvPr>
+            <p:ph type="pic" sz="quarter" idx="49"/>
+          </p:nvPr>
+        </p:nvSpPr>
+        <p:spPr/>
+      </p:sp>
+      <p:sp>
+        <p:nvSpPr>
+          <p:cNvPr id="8" name="Рисунок 7">
+            <a:extLst>
+              <a:ext uri="{FF2B5EF4-FFF2-40B4-BE49-F238E27FC236}">
+                <a16:creationId xmlns:a16="http://schemas.microsoft.com/office/drawing/2014/main" id="{A1A5E928-556F-4FA0-836B-33D60719192D}"/>
+              </a:ext>
+            </a:extLst>
+          </p:cNvPr>
+          <p:cNvSpPr>
+            <a:spLocks noGrp="1"/>
+          </p:cNvSpPr>
+          <p:nvPr>
+            <p:ph type="pic" sz="quarter" idx="50"/>
+          </p:nvPr>
+        </p:nvSpPr>
+        <p:spPr/>
+      </p:sp>
+      <p:sp>
+        <p:nvSpPr>
+          <p:cNvPr id="9" name="Рисунок 8">
+            <a:extLst>
+              <a:ext uri="{FF2B5EF4-FFF2-40B4-BE49-F238E27FC236}">
+                <a16:creationId xmlns:a16="http://schemas.microsoft.com/office/drawing/2014/main" id="{BFC6C494-3D80-4AB2-B235-05059EDA9BA3}"/>
+              </a:ext>
+            </a:extLst>
+          </p:cNvPr>
+          <p:cNvSpPr>
+            <a:spLocks noGrp="1"/>
+          </p:cNvSpPr>
+          <p:nvPr>
+            <p:ph type="pic" sz="quarter" idx="51"/>
+          </p:nvPr>
+        </p:nvSpPr>
+        <p:spPr/>
+      </p:sp>
+      <p:sp>
+        <p:nvSpPr>
+          <p:cNvPr id="5" name="Текст 4">
+            <a:extLst>
+              <a:ext uri="{FF2B5EF4-FFF2-40B4-BE49-F238E27FC236}">
+                <a16:creationId xmlns:a16="http://schemas.microsoft.com/office/drawing/2014/main" id="{91A02DD0-2DAD-4EB8-9AF3-117D7DF51FA0}"/>
+              </a:ext>
+            </a:extLst>
+          </p:cNvPr>
+          <p:cNvSpPr>
+            <a:spLocks noGrp="1"/>
+          </p:cNvSpPr>
+          <p:nvPr>
+            <p:ph type="body" sz="quarter" idx="27"/>
+          </p:nvPr>
+        </p:nvSpPr>
+        <p:spPr>
+          <a:xfrm>
+            <a:off x="6096000" y="3093990"/>
+            <a:ext cx="5704890" cy="1879791"/>
+          </a:xfrm>
+        </p:spPr>
+        <p:txBody>
+          <a:bodyPr/>
+          <a:lstStyle/>
+          <a:p>
+            <a:r>
+              <a:rPr lang="ru-RU" sz="1800" dirty="0">
+                <a:effectLst/>
+                <a:latin typeface="Times New Roman" panose="02020603050405020304" pitchFamily="18" charset="0"/>
+                <a:ea typeface="Times New Roman" panose="02020603050405020304" pitchFamily="18" charset="0"/>
+              </a:rPr>
+              <a:t>Было разработано веб-приложение для кинотеатра, которое сейчас является крайне актуальным. Оно поможет в дальнейшем развитии кинотеатра, найти новых клиентов, упростит процесс покупки билета. Клиентам же в свою очередь будет проще отслеживать расписание сеансов, покупать билеты на сеансы</a:t>
+            </a:r>
+            <a:endParaRPr lang="ru-RU" dirty="0"/>
+          </a:p>
+        </p:txBody>
+      </p:sp>
+      <p:sp>
+        <p:nvSpPr>
+          <p:cNvPr id="2" name="Заголовок 1">
+            <a:extLst>
+              <a:ext uri="{FF2B5EF4-FFF2-40B4-BE49-F238E27FC236}">
+                <a16:creationId xmlns:a16="http://schemas.microsoft.com/office/drawing/2014/main" id="{C9EC82A6-4900-4EF4-890C-0E712DDC0EED}"/>
+              </a:ext>
+            </a:extLst>
+          </p:cNvPr>
+          <p:cNvSpPr>
+            <a:spLocks noGrp="1"/>
+          </p:cNvSpPr>
+          <p:nvPr>
+            <p:ph type="title"/>
+          </p:nvPr>
+        </p:nvSpPr>
+        <p:spPr/>
+        <p:txBody>
+          <a:bodyPr/>
+          <a:lstStyle/>
+          <a:p>
+            <a:r>
+              <a:rPr lang="ru-RU" dirty="0"/>
+              <a:t>Заключение</a:t>
+            </a:r>
+          </a:p>
+        </p:txBody>
+      </p:sp>
+    </p:spTree>
+    <p:extLst>
+      <p:ext uri="{BB962C8B-B14F-4D97-AF65-F5344CB8AC3E}">
+        <p14:creationId xmlns:p14="http://schemas.microsoft.com/office/powerpoint/2010/main" val="508410220"/>
       </p:ext>
     </p:extLst>
   </p:cSld>
@@ -26129,23 +26960,12 @@
 </file>
 
 <file path=customXml/item1.xml><?xml version="1.0" encoding="utf-8"?>
-<p:properties xmlns:p="http://schemas.microsoft.com/office/2006/metadata/properties" xmlns:xsi="http://www.w3.org/2001/XMLSchema-instance" xmlns:pc="http://schemas.microsoft.com/office/infopath/2007/PartnerControls">
-  <documentManagement>
-    <_ip_UnifiedCompliancePolicyUIAction xmlns="http://schemas.microsoft.com/sharepoint/v3" xsi:nil="true"/>
-    <Image xmlns="71af3243-3dd4-4a8d-8c0d-dd76da1f02a5">
-      <Url xsi:nil="true"/>
-      <Description xsi:nil="true"/>
-    </Image>
-    <Status xmlns="71af3243-3dd4-4a8d-8c0d-dd76da1f02a5">Not started</Status>
-    <Background xmlns="71af3243-3dd4-4a8d-8c0d-dd76da1f02a5">false</Background>
-    <_ip_UnifiedCompliancePolicyProperties xmlns="http://schemas.microsoft.com/sharepoint/v3" xsi:nil="true"/>
-    <ImageTagsTaxHTField xmlns="71af3243-3dd4-4a8d-8c0d-dd76da1f02a5">
-      <Terms xmlns="http://schemas.microsoft.com/office/infopath/2007/PartnerControls"/>
-    </ImageTagsTaxHTField>
-    <TaxCatchAll xmlns="230e9df3-be65-4c73-a93b-d1236ebd677e" xsi:nil="true"/>
-    <MediaServiceKeyPoints xmlns="71af3243-3dd4-4a8d-8c0d-dd76da1f02a5" xsi:nil="true"/>
-  </documentManagement>
-</p:properties>
+<?mso-contentType ?>
+<FormTemplates xmlns="http://schemas.microsoft.com/sharepoint/v3/contenttype/forms">
+  <Display>DocumentLibraryForm</Display>
+  <Edit>DocumentLibraryForm</Edit>
+  <New>DocumentLibraryForm</New>
+</FormTemplates>
 </file>
 
 <file path=customXml/item2.xml><?xml version="1.0" encoding="utf-8"?>
@@ -26461,22 +27281,29 @@
 </file>
 
 <file path=customXml/item3.xml><?xml version="1.0" encoding="utf-8"?>
-<?mso-contentType ?>
-<FormTemplates xmlns="http://schemas.microsoft.com/sharepoint/v3/contenttype/forms">
-  <Display>DocumentLibraryForm</Display>
-  <Edit>DocumentLibraryForm</Edit>
-  <New>DocumentLibraryForm</New>
-</FormTemplates>
+<p:properties xmlns:p="http://schemas.microsoft.com/office/2006/metadata/properties" xmlns:xsi="http://www.w3.org/2001/XMLSchema-instance" xmlns:pc="http://schemas.microsoft.com/office/infopath/2007/PartnerControls">
+  <documentManagement>
+    <_ip_UnifiedCompliancePolicyUIAction xmlns="http://schemas.microsoft.com/sharepoint/v3" xsi:nil="true"/>
+    <Image xmlns="71af3243-3dd4-4a8d-8c0d-dd76da1f02a5">
+      <Url xsi:nil="true"/>
+      <Description xsi:nil="true"/>
+    </Image>
+    <Status xmlns="71af3243-3dd4-4a8d-8c0d-dd76da1f02a5">Not started</Status>
+    <Background xmlns="71af3243-3dd4-4a8d-8c0d-dd76da1f02a5">false</Background>
+    <_ip_UnifiedCompliancePolicyProperties xmlns="http://schemas.microsoft.com/sharepoint/v3" xsi:nil="true"/>
+    <ImageTagsTaxHTField xmlns="71af3243-3dd4-4a8d-8c0d-dd76da1f02a5">
+      <Terms xmlns="http://schemas.microsoft.com/office/infopath/2007/PartnerControls"/>
+    </ImageTagsTaxHTField>
+    <TaxCatchAll xmlns="230e9df3-be65-4c73-a93b-d1236ebd677e" xsi:nil="true"/>
+    <MediaServiceKeyPoints xmlns="71af3243-3dd4-4a8d-8c0d-dd76da1f02a5" xsi:nil="true"/>
+  </documentManagement>
+</p:properties>
 </file>
 
 <file path=customXml/itemProps1.xml><?xml version="1.0" encoding="utf-8"?>
-<ds:datastoreItem xmlns:ds="http://schemas.openxmlformats.org/officeDocument/2006/customXml" ds:itemID="{F4D5854E-F453-4846-A87D-6EF3DCF73E3E}">
+<ds:datastoreItem xmlns:ds="http://schemas.openxmlformats.org/officeDocument/2006/customXml" ds:itemID="{F8C25491-3B09-4F3E-8C86-936D290E4013}">
   <ds:schemaRefs>
-    <ds:schemaRef ds:uri="http://schemas.microsoft.com/office/2006/metadata/properties"/>
-    <ds:schemaRef ds:uri="http://schemas.microsoft.com/office/infopath/2007/PartnerControls"/>
-    <ds:schemaRef ds:uri="http://schemas.microsoft.com/sharepoint/v3"/>
-    <ds:schemaRef ds:uri="71af3243-3dd4-4a8d-8c0d-dd76da1f02a5"/>
-    <ds:schemaRef ds:uri="230e9df3-be65-4c73-a93b-d1236ebd677e"/>
+    <ds:schemaRef ds:uri="http://schemas.microsoft.com/sharepoint/v3/contenttype/forms"/>
   </ds:schemaRefs>
 </ds:datastoreItem>
 </file>
@@ -26503,9 +27330,13 @@
 </file>
 
 <file path=customXml/itemProps3.xml><?xml version="1.0" encoding="utf-8"?>
-<ds:datastoreItem xmlns:ds="http://schemas.openxmlformats.org/officeDocument/2006/customXml" ds:itemID="{F8C25491-3B09-4F3E-8C86-936D290E4013}">
+<ds:datastoreItem xmlns:ds="http://schemas.openxmlformats.org/officeDocument/2006/customXml" ds:itemID="{F4D5854E-F453-4846-A87D-6EF3DCF73E3E}">
   <ds:schemaRefs>
-    <ds:schemaRef ds:uri="http://schemas.microsoft.com/sharepoint/v3/contenttype/forms"/>
+    <ds:schemaRef ds:uri="http://schemas.microsoft.com/office/2006/metadata/properties"/>
+    <ds:schemaRef ds:uri="http://schemas.microsoft.com/office/infopath/2007/PartnerControls"/>
+    <ds:schemaRef ds:uri="http://schemas.microsoft.com/sharepoint/v3"/>
+    <ds:schemaRef ds:uri="71af3243-3dd4-4a8d-8c0d-dd76da1f02a5"/>
+    <ds:schemaRef ds:uri="230e9df3-be65-4c73-a93b-d1236ebd677e"/>
   </ds:schemaRefs>
 </ds:datastoreItem>
 </file>
